--- a/Robo presentation .pptx
+++ b/Robo presentation .pptx
@@ -10,10 +10,12 @@
     <p:sldId id="259" r:id="rId4"/>
     <p:sldId id="260" r:id="rId5"/>
     <p:sldId id="261" r:id="rId6"/>
-    <p:sldId id="262" r:id="rId7"/>
-    <p:sldId id="263" r:id="rId8"/>
-    <p:sldId id="264" r:id="rId9"/>
-    <p:sldId id="265" r:id="rId10"/>
+    <p:sldId id="266" r:id="rId7"/>
+    <p:sldId id="262" r:id="rId8"/>
+    <p:sldId id="267" r:id="rId9"/>
+    <p:sldId id="263" r:id="rId10"/>
+    <p:sldId id="264" r:id="rId11"/>
+    <p:sldId id="265" r:id="rId12"/>
   </p:sldIdLst>
   <p:sldSz cx="12192000" cy="6858000"/>
   <p:notesSz cx="6858000" cy="9144000"/>
@@ -112,6 +114,11 @@
       </a:defRPr>
     </a:lvl9pPr>
   </p:defaultTextStyle>
+  <p:extLst>
+    <p:ext uri="{EFAFB233-063F-42B5-8137-9DF3F51BA10A}">
+      <p15:sldGuideLst xmlns:p15="http://schemas.microsoft.com/office/powerpoint/2012/main"/>
+    </p:ext>
+  </p:extLst>
 </p:presentation>
 </file>
 
@@ -301,7 +308,7 @@
           <a:p>
             <a:fld id="{E9D4D2E5-AA77-4BFA-8147-FC6F09AB75EE}" type="datetimeFigureOut">
               <a:rPr lang="en-US" smtClean="0"/>
-              <a:t>6/25/2019</a:t>
+              <a:t>6/27/2019</a:t>
             </a:fld>
             <a:endParaRPr lang="en-US"/>
           </a:p>
@@ -576,7 +583,7 @@
           <a:p>
             <a:fld id="{E9D4D2E5-AA77-4BFA-8147-FC6F09AB75EE}" type="datetimeFigureOut">
               <a:rPr lang="en-US" smtClean="0"/>
-              <a:t>6/25/2019</a:t>
+              <a:t>6/27/2019</a:t>
             </a:fld>
             <a:endParaRPr lang="en-US"/>
           </a:p>
@@ -770,7 +777,7 @@
           <a:p>
             <a:fld id="{E9D4D2E5-AA77-4BFA-8147-FC6F09AB75EE}" type="datetimeFigureOut">
               <a:rPr lang="en-US" smtClean="0"/>
-              <a:t>6/25/2019</a:t>
+              <a:t>6/27/2019</a:t>
             </a:fld>
             <a:endParaRPr lang="en-US"/>
           </a:p>
@@ -1043,7 +1050,7 @@
           <a:p>
             <a:fld id="{E9D4D2E5-AA77-4BFA-8147-FC6F09AB75EE}" type="datetimeFigureOut">
               <a:rPr lang="en-US" smtClean="0"/>
-              <a:t>6/25/2019</a:t>
+              <a:t>6/27/2019</a:t>
             </a:fld>
             <a:endParaRPr lang="en-US"/>
           </a:p>
@@ -1384,7 +1391,7 @@
           <a:p>
             <a:fld id="{E9D4D2E5-AA77-4BFA-8147-FC6F09AB75EE}" type="datetimeFigureOut">
               <a:rPr lang="en-US" smtClean="0"/>
-              <a:t>6/25/2019</a:t>
+              <a:t>6/27/2019</a:t>
             </a:fld>
             <a:endParaRPr lang="en-US"/>
           </a:p>
@@ -2007,7 +2014,7 @@
           <a:p>
             <a:fld id="{E9D4D2E5-AA77-4BFA-8147-FC6F09AB75EE}" type="datetimeFigureOut">
               <a:rPr lang="en-US" smtClean="0"/>
-              <a:t>6/25/2019</a:t>
+              <a:t>6/27/2019</a:t>
             </a:fld>
             <a:endParaRPr lang="en-US"/>
           </a:p>
@@ -2867,7 +2874,7 @@
           <a:p>
             <a:fld id="{E9D4D2E5-AA77-4BFA-8147-FC6F09AB75EE}" type="datetimeFigureOut">
               <a:rPr lang="en-US" smtClean="0"/>
-              <a:t>6/25/2019</a:t>
+              <a:t>6/27/2019</a:t>
             </a:fld>
             <a:endParaRPr lang="en-US"/>
           </a:p>
@@ -3037,7 +3044,7 @@
           <a:p>
             <a:fld id="{E9D4D2E5-AA77-4BFA-8147-FC6F09AB75EE}" type="datetimeFigureOut">
               <a:rPr lang="en-US" smtClean="0"/>
-              <a:t>6/25/2019</a:t>
+              <a:t>6/27/2019</a:t>
             </a:fld>
             <a:endParaRPr lang="en-US"/>
           </a:p>
@@ -3217,7 +3224,7 @@
           <a:p>
             <a:fld id="{E9D4D2E5-AA77-4BFA-8147-FC6F09AB75EE}" type="datetimeFigureOut">
               <a:rPr lang="en-US" smtClean="0"/>
-              <a:t>6/25/2019</a:t>
+              <a:t>6/27/2019</a:t>
             </a:fld>
             <a:endParaRPr lang="en-US"/>
           </a:p>
@@ -3387,7 +3394,7 @@
           <a:p>
             <a:fld id="{E9D4D2E5-AA77-4BFA-8147-FC6F09AB75EE}" type="datetimeFigureOut">
               <a:rPr lang="en-US" smtClean="0"/>
-              <a:t>6/25/2019</a:t>
+              <a:t>6/27/2019</a:t>
             </a:fld>
             <a:endParaRPr lang="en-US"/>
           </a:p>
@@ -3634,7 +3641,7 @@
           <a:p>
             <a:fld id="{E9D4D2E5-AA77-4BFA-8147-FC6F09AB75EE}" type="datetimeFigureOut">
               <a:rPr lang="en-US" smtClean="0"/>
-              <a:t>6/25/2019</a:t>
+              <a:t>6/27/2019</a:t>
             </a:fld>
             <a:endParaRPr lang="en-US"/>
           </a:p>
@@ -3926,7 +3933,7 @@
           <a:p>
             <a:fld id="{E9D4D2E5-AA77-4BFA-8147-FC6F09AB75EE}" type="datetimeFigureOut">
               <a:rPr lang="en-US" smtClean="0"/>
-              <a:t>6/25/2019</a:t>
+              <a:t>6/27/2019</a:t>
             </a:fld>
             <a:endParaRPr lang="en-US"/>
           </a:p>
@@ -4370,7 +4377,7 @@
           <a:p>
             <a:fld id="{E9D4D2E5-AA77-4BFA-8147-FC6F09AB75EE}" type="datetimeFigureOut">
               <a:rPr lang="en-US" smtClean="0"/>
-              <a:t>6/25/2019</a:t>
+              <a:t>6/27/2019</a:t>
             </a:fld>
             <a:endParaRPr lang="en-US"/>
           </a:p>
@@ -4488,7 +4495,7 @@
           <a:p>
             <a:fld id="{E9D4D2E5-AA77-4BFA-8147-FC6F09AB75EE}" type="datetimeFigureOut">
               <a:rPr lang="en-US" smtClean="0"/>
-              <a:t>6/25/2019</a:t>
+              <a:t>6/27/2019</a:t>
             </a:fld>
             <a:endParaRPr lang="en-US"/>
           </a:p>
@@ -4583,7 +4590,7 @@
           <a:p>
             <a:fld id="{E9D4D2E5-AA77-4BFA-8147-FC6F09AB75EE}" type="datetimeFigureOut">
               <a:rPr lang="en-US" smtClean="0"/>
-              <a:t>6/25/2019</a:t>
+              <a:t>6/27/2019</a:t>
             </a:fld>
             <a:endParaRPr lang="en-US"/>
           </a:p>
@@ -4862,7 +4869,7 @@
           <a:p>
             <a:fld id="{E9D4D2E5-AA77-4BFA-8147-FC6F09AB75EE}" type="datetimeFigureOut">
               <a:rPr lang="en-US" smtClean="0"/>
-              <a:t>6/25/2019</a:t>
+              <a:t>6/27/2019</a:t>
             </a:fld>
             <a:endParaRPr lang="en-US"/>
           </a:p>
@@ -5137,7 +5144,7 @@
           <a:p>
             <a:fld id="{E9D4D2E5-AA77-4BFA-8147-FC6F09AB75EE}" type="datetimeFigureOut">
               <a:rPr lang="en-US" smtClean="0"/>
-              <a:t>6/25/2019</a:t>
+              <a:t>6/27/2019</a:t>
             </a:fld>
             <a:endParaRPr lang="en-US"/>
           </a:p>
@@ -5566,7 +5573,7 @@
           <a:p>
             <a:fld id="{E9D4D2E5-AA77-4BFA-8147-FC6F09AB75EE}" type="datetimeFigureOut">
               <a:rPr lang="en-US" smtClean="0"/>
-              <a:t>6/25/2019</a:t>
+              <a:t>6/27/2019</a:t>
             </a:fld>
             <a:endParaRPr lang="en-US"/>
           </a:p>
@@ -6135,6 +6142,164 @@
 </p:sld>
 </file>
 
+<file path=ppt/slides/slide10.xml><?xml version="1.0" encoding="utf-8"?>
+<p:sld xmlns:a="http://schemas.openxmlformats.org/drawingml/2006/main" xmlns:r="http://schemas.openxmlformats.org/officeDocument/2006/relationships" xmlns:p="http://schemas.openxmlformats.org/presentationml/2006/main">
+  <p:cSld>
+    <p:spTree>
+      <p:nvGrpSpPr>
+        <p:cNvPr id="1" name=""/>
+        <p:cNvGrpSpPr/>
+        <p:nvPr/>
+      </p:nvGrpSpPr>
+      <p:grpSpPr>
+        <a:xfrm>
+          <a:off x="0" y="0"/>
+          <a:ext cx="0" cy="0"/>
+          <a:chOff x="0" y="0"/>
+          <a:chExt cx="0" cy="0"/>
+        </a:xfrm>
+      </p:grpSpPr>
+      <p:sp>
+        <p:nvSpPr>
+          <p:cNvPr id="5" name="Title 4">
+            <a:extLst>
+              <a:ext uri="{FF2B5EF4-FFF2-40B4-BE49-F238E27FC236}">
+                <a16:creationId xmlns:a16="http://schemas.microsoft.com/office/drawing/2014/main" id="{2C195040-6120-436E-8744-4C62E38D3DC2}"/>
+              </a:ext>
+            </a:extLst>
+          </p:cNvPr>
+          <p:cNvSpPr>
+            <a:spLocks noGrp="1"/>
+          </p:cNvSpPr>
+          <p:nvPr>
+            <p:ph type="title"/>
+          </p:nvPr>
+        </p:nvSpPr>
+        <p:spPr>
+          <a:xfrm>
+            <a:off x="1359143" y="2080619"/>
+            <a:ext cx="8825657" cy="1915647"/>
+          </a:xfrm>
+        </p:spPr>
+        <p:txBody>
+          <a:bodyPr/>
+          <a:lstStyle/>
+          <a:p>
+            <a:pPr algn="ctr"/>
+            <a:r>
+              <a:rPr lang="en-US" dirty="0"/>
+              <a:t>Demo </a:t>
+            </a:r>
+          </a:p>
+        </p:txBody>
+      </p:sp>
+      <p:sp>
+        <p:nvSpPr>
+          <p:cNvPr id="6" name="Text Placeholder 5">
+            <a:extLst>
+              <a:ext uri="{FF2B5EF4-FFF2-40B4-BE49-F238E27FC236}">
+                <a16:creationId xmlns:a16="http://schemas.microsoft.com/office/drawing/2014/main" id="{121E3723-7E85-4F5E-A12D-97C96377CE8E}"/>
+              </a:ext>
+            </a:extLst>
+          </p:cNvPr>
+          <p:cNvSpPr>
+            <a:spLocks noGrp="1"/>
+          </p:cNvSpPr>
+          <p:nvPr>
+            <p:ph type="body" idx="1"/>
+          </p:nvPr>
+        </p:nvSpPr>
+        <p:spPr>
+          <a:xfrm>
+            <a:off x="1359142" y="3996266"/>
+            <a:ext cx="8825658" cy="860400"/>
+          </a:xfrm>
+        </p:spPr>
+        <p:txBody>
+          <a:bodyPr/>
+          <a:lstStyle/>
+          <a:p>
+            <a:endParaRPr lang="en-US" dirty="0"/>
+          </a:p>
+        </p:txBody>
+      </p:sp>
+    </p:spTree>
+    <p:extLst>
+      <p:ext uri="{BB962C8B-B14F-4D97-AF65-F5344CB8AC3E}">
+        <p14:creationId xmlns:p14="http://schemas.microsoft.com/office/powerpoint/2010/main" val="2808226102"/>
+      </p:ext>
+    </p:extLst>
+  </p:cSld>
+  <p:clrMapOvr>
+    <a:masterClrMapping/>
+  </p:clrMapOvr>
+</p:sld>
+</file>
+
+<file path=ppt/slides/slide11.xml><?xml version="1.0" encoding="utf-8"?>
+<p:sld xmlns:a="http://schemas.openxmlformats.org/drawingml/2006/main" xmlns:r="http://schemas.openxmlformats.org/officeDocument/2006/relationships" xmlns:p="http://schemas.openxmlformats.org/presentationml/2006/main">
+  <p:cSld>
+    <p:spTree>
+      <p:nvGrpSpPr>
+        <p:cNvPr id="1" name=""/>
+        <p:cNvGrpSpPr/>
+        <p:nvPr/>
+      </p:nvGrpSpPr>
+      <p:grpSpPr>
+        <a:xfrm>
+          <a:off x="0" y="0"/>
+          <a:ext cx="0" cy="0"/>
+          <a:chOff x="0" y="0"/>
+          <a:chExt cx="0" cy="0"/>
+        </a:xfrm>
+      </p:grpSpPr>
+      <p:sp>
+        <p:nvSpPr>
+          <p:cNvPr id="4" name="Title 3">
+            <a:extLst>
+              <a:ext uri="{FF2B5EF4-FFF2-40B4-BE49-F238E27FC236}">
+                <a16:creationId xmlns:a16="http://schemas.microsoft.com/office/drawing/2014/main" id="{19C54DA6-AE68-403D-BC7B-3B36ED9CDE4D}"/>
+              </a:ext>
+            </a:extLst>
+          </p:cNvPr>
+          <p:cNvSpPr>
+            <a:spLocks noGrp="1"/>
+          </p:cNvSpPr>
+          <p:nvPr>
+            <p:ph type="title"/>
+          </p:nvPr>
+        </p:nvSpPr>
+        <p:spPr>
+          <a:xfrm>
+            <a:off x="1223160" y="2728735"/>
+            <a:ext cx="9404723" cy="1400530"/>
+          </a:xfrm>
+        </p:spPr>
+        <p:txBody>
+          <a:bodyPr/>
+          <a:lstStyle/>
+          <a:p>
+            <a:pPr algn="ctr"/>
+            <a:r>
+              <a:rPr lang="en-US" dirty="0"/>
+              <a:t>FIN</a:t>
+            </a:r>
+          </a:p>
+        </p:txBody>
+      </p:sp>
+    </p:spTree>
+    <p:extLst>
+      <p:ext uri="{BB962C8B-B14F-4D97-AF65-F5344CB8AC3E}">
+        <p14:creationId xmlns:p14="http://schemas.microsoft.com/office/powerpoint/2010/main" val="2843261661"/>
+      </p:ext>
+    </p:extLst>
+  </p:cSld>
+  <p:clrMapOvr>
+    <a:masterClrMapping/>
+  </p:clrMapOvr>
+</p:sld>
+</file>
+
 <file path=ppt/slides/slide2.xml><?xml version="1.0" encoding="utf-8"?>
 <p:sld xmlns:a="http://schemas.openxmlformats.org/drawingml/2006/main" xmlns:r="http://schemas.openxmlformats.org/officeDocument/2006/relationships" xmlns:p="http://schemas.openxmlformats.org/presentationml/2006/main">
   <p:cSld>
@@ -7074,6 +7239,100 @@
           <p:cNvPr id="2" name="Title 1">
             <a:extLst>
               <a:ext uri="{FF2B5EF4-FFF2-40B4-BE49-F238E27FC236}">
+                <a16:creationId xmlns:a16="http://schemas.microsoft.com/office/drawing/2014/main" id="{9FF1276A-B55C-481E-8153-94A70EDAA93A}"/>
+              </a:ext>
+            </a:extLst>
+          </p:cNvPr>
+          <p:cNvSpPr>
+            <a:spLocks noGrp="1"/>
+          </p:cNvSpPr>
+          <p:nvPr>
+            <p:ph type="title"/>
+          </p:nvPr>
+        </p:nvSpPr>
+        <p:spPr>
+          <a:xfrm>
+            <a:off x="1314120" y="438651"/>
+            <a:ext cx="9404723" cy="1400530"/>
+          </a:xfrm>
+        </p:spPr>
+        <p:txBody>
+          <a:bodyPr/>
+          <a:lstStyle/>
+          <a:p>
+            <a:pPr algn="ctr"/>
+            <a:r>
+              <a:rPr lang="en-US" dirty="0"/>
+              <a:t>Use Case</a:t>
+            </a:r>
+          </a:p>
+        </p:txBody>
+      </p:sp>
+      <p:pic>
+        <p:nvPicPr>
+          <p:cNvPr id="3" name="Picture 2">
+            <a:extLst>
+              <a:ext uri="{FF2B5EF4-FFF2-40B4-BE49-F238E27FC236}">
+                <a16:creationId xmlns:a16="http://schemas.microsoft.com/office/drawing/2014/main" id="{024F6AD6-45E4-4834-94B9-F7147980A5FC}"/>
+              </a:ext>
+            </a:extLst>
+          </p:cNvPr>
+          <p:cNvPicPr>
+            <a:picLocks noChangeAspect="1"/>
+          </p:cNvPicPr>
+          <p:nvPr/>
+        </p:nvPicPr>
+        <p:blipFill>
+          <a:blip r:embed="rId2"/>
+          <a:stretch>
+            <a:fillRect/>
+          </a:stretch>
+        </p:blipFill>
+        <p:spPr>
+          <a:xfrm>
+            <a:off x="1314120" y="1537949"/>
+            <a:ext cx="9563759" cy="4539954"/>
+          </a:xfrm>
+          <a:prstGeom prst="rect">
+            <a:avLst/>
+          </a:prstGeom>
+        </p:spPr>
+      </p:pic>
+    </p:spTree>
+    <p:extLst>
+      <p:ext uri="{BB962C8B-B14F-4D97-AF65-F5344CB8AC3E}">
+        <p14:creationId xmlns:p14="http://schemas.microsoft.com/office/powerpoint/2010/main" val="3235008948"/>
+      </p:ext>
+    </p:extLst>
+  </p:cSld>
+  <p:clrMapOvr>
+    <a:masterClrMapping/>
+  </p:clrMapOvr>
+</p:sld>
+</file>
+
+<file path=ppt/slides/slide7.xml><?xml version="1.0" encoding="utf-8"?>
+<p:sld xmlns:a="http://schemas.openxmlformats.org/drawingml/2006/main" xmlns:r="http://schemas.openxmlformats.org/officeDocument/2006/relationships" xmlns:p="http://schemas.openxmlformats.org/presentationml/2006/main">
+  <p:cSld>
+    <p:spTree>
+      <p:nvGrpSpPr>
+        <p:cNvPr id="1" name=""/>
+        <p:cNvGrpSpPr/>
+        <p:nvPr/>
+      </p:nvGrpSpPr>
+      <p:grpSpPr>
+        <a:xfrm>
+          <a:off x="0" y="0"/>
+          <a:ext cx="0" cy="0"/>
+          <a:chOff x="0" y="0"/>
+          <a:chExt cx="0" cy="0"/>
+        </a:xfrm>
+      </p:grpSpPr>
+      <p:sp>
+        <p:nvSpPr>
+          <p:cNvPr id="2" name="Title 1">
+            <a:extLst>
+              <a:ext uri="{FF2B5EF4-FFF2-40B4-BE49-F238E27FC236}">
                 <a16:creationId xmlns:a16="http://schemas.microsoft.com/office/drawing/2014/main" id="{0BCEB082-8167-4C0B-8B67-77A6695ED88F}"/>
               </a:ext>
             </a:extLst>
@@ -7204,113 +7463,6 @@
 </p:sld>
 </file>
 
-<file path=ppt/slides/slide7.xml><?xml version="1.0" encoding="utf-8"?>
-<p:sld xmlns:a="http://schemas.openxmlformats.org/drawingml/2006/main" xmlns:r="http://schemas.openxmlformats.org/officeDocument/2006/relationships" xmlns:p="http://schemas.openxmlformats.org/presentationml/2006/main">
-  <p:cSld>
-    <p:spTree>
-      <p:nvGrpSpPr>
-        <p:cNvPr id="1" name=""/>
-        <p:cNvGrpSpPr/>
-        <p:nvPr/>
-      </p:nvGrpSpPr>
-      <p:grpSpPr>
-        <a:xfrm>
-          <a:off x="0" y="0"/>
-          <a:ext cx="0" cy="0"/>
-          <a:chOff x="0" y="0"/>
-          <a:chExt cx="0" cy="0"/>
-        </a:xfrm>
-      </p:grpSpPr>
-      <p:sp>
-        <p:nvSpPr>
-          <p:cNvPr id="6" name="Title 5">
-            <a:extLst>
-              <a:ext uri="{FF2B5EF4-FFF2-40B4-BE49-F238E27FC236}">
-                <a16:creationId xmlns:a16="http://schemas.microsoft.com/office/drawing/2014/main" id="{ED0FB96C-E5A0-4BFA-B7C4-FA8DBC55471A}"/>
-              </a:ext>
-            </a:extLst>
-          </p:cNvPr>
-          <p:cNvSpPr>
-            <a:spLocks noGrp="1"/>
-          </p:cNvSpPr>
-          <p:nvPr>
-            <p:ph type="title"/>
-          </p:nvPr>
-        </p:nvSpPr>
-        <p:spPr>
-          <a:xfrm>
-            <a:off x="1234855" y="1601103"/>
-            <a:ext cx="8825657" cy="1915647"/>
-          </a:xfrm>
-        </p:spPr>
-        <p:txBody>
-          <a:bodyPr/>
-          <a:lstStyle/>
-          <a:p>
-            <a:pPr algn="ctr"/>
-            <a:r>
-              <a:rPr lang="en-US" sz="3600" dirty="0"/>
-              <a:t>Software Project Management Plan </a:t>
-            </a:r>
-            <a:br>
-              <a:rPr lang="en-US" sz="3600" dirty="0"/>
-            </a:br>
-            <a:r>
-              <a:rPr lang="en-US" sz="3600" dirty="0"/>
-              <a:t>(SPMP)</a:t>
-            </a:r>
-          </a:p>
-        </p:txBody>
-      </p:sp>
-      <p:sp>
-        <p:nvSpPr>
-          <p:cNvPr id="7" name="Text Placeholder 6">
-            <a:extLst>
-              <a:ext uri="{FF2B5EF4-FFF2-40B4-BE49-F238E27FC236}">
-                <a16:creationId xmlns:a16="http://schemas.microsoft.com/office/drawing/2014/main" id="{C307D076-24A5-45E2-9417-E9841C57506C}"/>
-              </a:ext>
-            </a:extLst>
-          </p:cNvPr>
-          <p:cNvSpPr>
-            <a:spLocks noGrp="1"/>
-          </p:cNvSpPr>
-          <p:nvPr>
-            <p:ph type="body" idx="1"/>
-          </p:nvPr>
-        </p:nvSpPr>
-        <p:spPr>
-          <a:xfrm>
-            <a:off x="1683171" y="3605528"/>
-            <a:ext cx="8825658" cy="860400"/>
-          </a:xfrm>
-        </p:spPr>
-        <p:txBody>
-          <a:bodyPr/>
-          <a:lstStyle/>
-          <a:p>
-            <a:r>
-              <a:rPr lang="en-US" dirty="0">
-                <a:hlinkClick r:id="rId2"/>
-              </a:rPr>
-              <a:t>https://docs.google.com/document/d/1vrxQcCSiORNYyZNvBnqvC6q7kMh5E5cP32IVqn6d4As/edit?ts=5cf965fc#</a:t>
-            </a:r>
-            <a:endParaRPr lang="en-US" dirty="0"/>
-          </a:p>
-        </p:txBody>
-      </p:sp>
-    </p:spTree>
-    <p:extLst>
-      <p:ext uri="{BB962C8B-B14F-4D97-AF65-F5344CB8AC3E}">
-        <p14:creationId xmlns:p14="http://schemas.microsoft.com/office/powerpoint/2010/main" val="3209971569"/>
-      </p:ext>
-    </p:extLst>
-  </p:cSld>
-  <p:clrMapOvr>
-    <a:masterClrMapping/>
-  </p:clrMapOvr>
-</p:sld>
-</file>
-
 <file path=ppt/slides/slide8.xml><?xml version="1.0" encoding="utf-8"?>
 <p:sld xmlns:a="http://schemas.openxmlformats.org/drawingml/2006/main" xmlns:r="http://schemas.openxmlformats.org/officeDocument/2006/relationships" xmlns:p="http://schemas.openxmlformats.org/presentationml/2006/main">
   <p:cSld>
@@ -7330,10 +7482,10 @@
       </p:grpSpPr>
       <p:sp>
         <p:nvSpPr>
-          <p:cNvPr id="5" name="Title 4">
+          <p:cNvPr id="2" name="Title 1">
             <a:extLst>
               <a:ext uri="{FF2B5EF4-FFF2-40B4-BE49-F238E27FC236}">
-                <a16:creationId xmlns:a16="http://schemas.microsoft.com/office/drawing/2014/main" id="{2C195040-6120-436E-8744-4C62E38D3DC2}"/>
+                <a16:creationId xmlns:a16="http://schemas.microsoft.com/office/drawing/2014/main" id="{145FC8F1-EDB1-4A26-8A14-879DD37CAF79}"/>
               </a:ext>
             </a:extLst>
           </p:cNvPr>
@@ -7346,8 +7498,8 @@
         </p:nvSpPr>
         <p:spPr>
           <a:xfrm>
-            <a:off x="1359143" y="2080619"/>
-            <a:ext cx="8825657" cy="1915647"/>
+            <a:off x="1393637" y="293692"/>
+            <a:ext cx="9404723" cy="1400530"/>
           </a:xfrm>
         </p:spPr>
         <p:txBody>
@@ -7357,45 +7509,47 @@
             <a:pPr algn="ctr"/>
             <a:r>
               <a:rPr lang="en-US" dirty="0"/>
-              <a:t>Demo </a:t>
-            </a:r>
-          </a:p>
-        </p:txBody>
-      </p:sp>
-      <p:sp>
-        <p:nvSpPr>
-          <p:cNvPr id="6" name="Text Placeholder 5">
+              <a:t>Architectural Design</a:t>
+            </a:r>
+          </a:p>
+        </p:txBody>
+      </p:sp>
+      <p:pic>
+        <p:nvPicPr>
+          <p:cNvPr id="5" name="Content Placeholder 4">
             <a:extLst>
               <a:ext uri="{FF2B5EF4-FFF2-40B4-BE49-F238E27FC236}">
-                <a16:creationId xmlns:a16="http://schemas.microsoft.com/office/drawing/2014/main" id="{121E3723-7E85-4F5E-A12D-97C96377CE8E}"/>
+                <a16:creationId xmlns:a16="http://schemas.microsoft.com/office/drawing/2014/main" id="{E9655E26-424D-42E3-9CCD-CC46D0381215}"/>
               </a:ext>
             </a:extLst>
           </p:cNvPr>
-          <p:cNvSpPr>
-            <a:spLocks noGrp="1"/>
-          </p:cNvSpPr>
-          <p:nvPr>
-            <p:ph type="body" idx="1"/>
-          </p:nvPr>
-        </p:nvSpPr>
+          <p:cNvPicPr>
+            <a:picLocks noGrp="1" noChangeAspect="1"/>
+          </p:cNvPicPr>
+          <p:nvPr>
+            <p:ph sz="half" idx="1"/>
+          </p:nvPr>
+        </p:nvPicPr>
+        <p:blipFill>
+          <a:blip r:embed="rId2"/>
+          <a:stretch>
+            <a:fillRect/>
+          </a:stretch>
+        </p:blipFill>
         <p:spPr>
           <a:xfrm>
-            <a:off x="1359142" y="3996266"/>
-            <a:ext cx="8825658" cy="860400"/>
+            <a:off x="1393638" y="1125415"/>
+            <a:ext cx="9404723" cy="5542671"/>
           </a:xfrm>
-        </p:spPr>
-        <p:txBody>
-          <a:bodyPr/>
-          <a:lstStyle/>
-          <a:p>
-            <a:endParaRPr lang="en-US" dirty="0"/>
-          </a:p>
-        </p:txBody>
-      </p:sp>
+          <a:prstGeom prst="rect">
+            <a:avLst/>
+          </a:prstGeom>
+        </p:spPr>
+      </p:pic>
     </p:spTree>
     <p:extLst>
       <p:ext uri="{BB962C8B-B14F-4D97-AF65-F5344CB8AC3E}">
-        <p14:creationId xmlns:p14="http://schemas.microsoft.com/office/powerpoint/2010/main" val="2808226102"/>
+        <p14:creationId xmlns:p14="http://schemas.microsoft.com/office/powerpoint/2010/main" val="4090852149"/>
       </p:ext>
     </p:extLst>
   </p:cSld>
@@ -7424,10 +7578,10 @@
       </p:grpSpPr>
       <p:sp>
         <p:nvSpPr>
-          <p:cNvPr id="4" name="Title 3">
+          <p:cNvPr id="6" name="Title 5">
             <a:extLst>
               <a:ext uri="{FF2B5EF4-FFF2-40B4-BE49-F238E27FC236}">
-                <a16:creationId xmlns:a16="http://schemas.microsoft.com/office/drawing/2014/main" id="{19C54DA6-AE68-403D-BC7B-3B36ED9CDE4D}"/>
+                <a16:creationId xmlns:a16="http://schemas.microsoft.com/office/drawing/2014/main" id="{ED0FB96C-E5A0-4BFA-B7C4-FA8DBC55471A}"/>
               </a:ext>
             </a:extLst>
           </p:cNvPr>
@@ -7440,8 +7594,8 @@
         </p:nvSpPr>
         <p:spPr>
           <a:xfrm>
-            <a:off x="1223160" y="2728735"/>
-            <a:ext cx="9404723" cy="1400530"/>
+            <a:off x="1234855" y="1601103"/>
+            <a:ext cx="8825657" cy="1915647"/>
           </a:xfrm>
         </p:spPr>
         <p:txBody>
@@ -7450,16 +7604,59 @@
           <a:p>
             <a:pPr algn="ctr"/>
             <a:r>
-              <a:rPr lang="en-US" dirty="0"/>
-              <a:t>FIN</a:t>
-            </a:r>
+              <a:rPr lang="en-US" sz="3600" dirty="0"/>
+              <a:t>Software Project Management Plan </a:t>
+            </a:r>
+            <a:br>
+              <a:rPr lang="en-US" sz="3600" dirty="0"/>
+            </a:br>
+            <a:r>
+              <a:rPr lang="en-US" sz="3600" dirty="0"/>
+              <a:t>(SPMP)</a:t>
+            </a:r>
+          </a:p>
+        </p:txBody>
+      </p:sp>
+      <p:sp>
+        <p:nvSpPr>
+          <p:cNvPr id="7" name="Text Placeholder 6">
+            <a:extLst>
+              <a:ext uri="{FF2B5EF4-FFF2-40B4-BE49-F238E27FC236}">
+                <a16:creationId xmlns:a16="http://schemas.microsoft.com/office/drawing/2014/main" id="{C307D076-24A5-45E2-9417-E9841C57506C}"/>
+              </a:ext>
+            </a:extLst>
+          </p:cNvPr>
+          <p:cNvSpPr>
+            <a:spLocks noGrp="1"/>
+          </p:cNvSpPr>
+          <p:nvPr>
+            <p:ph type="body" idx="1"/>
+          </p:nvPr>
+        </p:nvSpPr>
+        <p:spPr>
+          <a:xfrm>
+            <a:off x="1683171" y="3605528"/>
+            <a:ext cx="8825658" cy="860400"/>
+          </a:xfrm>
+        </p:spPr>
+        <p:txBody>
+          <a:bodyPr/>
+          <a:lstStyle/>
+          <a:p>
+            <a:r>
+              <a:rPr lang="en-US" dirty="0">
+                <a:hlinkClick r:id="rId2"/>
+              </a:rPr>
+              <a:t>https://docs.google.com/document/d/1vrxQcCSiORNYyZNvBnqvC6q7kMh5E5cP32IVqn6d4As/edit?ts=5cf965fc#</a:t>
+            </a:r>
+            <a:endParaRPr lang="en-US" dirty="0"/>
           </a:p>
         </p:txBody>
       </p:sp>
     </p:spTree>
     <p:extLst>
       <p:ext uri="{BB962C8B-B14F-4D97-AF65-F5344CB8AC3E}">
-        <p14:creationId xmlns:p14="http://schemas.microsoft.com/office/powerpoint/2010/main" val="2843261661"/>
+        <p14:creationId xmlns:p14="http://schemas.microsoft.com/office/powerpoint/2010/main" val="3209971569"/>
       </p:ext>
     </p:extLst>
   </p:cSld>
